--- a/1/_2_2 Сосудистая анатомия человека.pptx
+++ b/1/_2_2 Сосудистая анатомия человека.pptx
@@ -11,6 +11,13 @@
     <p:sldId id="274" r:id="rId5"/>
     <p:sldId id="275" r:id="rId6"/>
     <p:sldId id="276" r:id="rId7"/>
+    <p:sldId id="277" r:id="rId8"/>
+    <p:sldId id="278" r:id="rId9"/>
+    <p:sldId id="279" r:id="rId10"/>
+    <p:sldId id="280" r:id="rId11"/>
+    <p:sldId id="281" r:id="rId12"/>
+    <p:sldId id="282" r:id="rId13"/>
+    <p:sldId id="283" r:id="rId14"/>
   </p:sldIdLst>
   <p:sldSz cx="12192000" cy="6858000"/>
   <p:notesSz cx="6858000" cy="9144000"/>
@@ -276,7 +283,7 @@
           <a:p>
             <a:fld id="{30A95110-85B8-4301-B13B-F280A06B402E}" type="datetimeFigureOut">
               <a:rPr lang="ru-RU" smtClean="0"/>
-              <a:t>13.08.2021</a:t>
+              <a:t>20.08.2021</a:t>
             </a:fld>
             <a:endParaRPr lang="ru-RU"/>
           </a:p>
@@ -474,7 +481,7 @@
           <a:p>
             <a:fld id="{30A95110-85B8-4301-B13B-F280A06B402E}" type="datetimeFigureOut">
               <a:rPr lang="ru-RU" smtClean="0"/>
-              <a:t>13.08.2021</a:t>
+              <a:t>20.08.2021</a:t>
             </a:fld>
             <a:endParaRPr lang="ru-RU"/>
           </a:p>
@@ -682,7 +689,7 @@
           <a:p>
             <a:fld id="{30A95110-85B8-4301-B13B-F280A06B402E}" type="datetimeFigureOut">
               <a:rPr lang="ru-RU" smtClean="0"/>
-              <a:t>13.08.2021</a:t>
+              <a:t>20.08.2021</a:t>
             </a:fld>
             <a:endParaRPr lang="ru-RU"/>
           </a:p>
@@ -880,7 +887,7 @@
           <a:p>
             <a:fld id="{30A95110-85B8-4301-B13B-F280A06B402E}" type="datetimeFigureOut">
               <a:rPr lang="ru-RU" smtClean="0"/>
-              <a:t>13.08.2021</a:t>
+              <a:t>20.08.2021</a:t>
             </a:fld>
             <a:endParaRPr lang="ru-RU"/>
           </a:p>
@@ -1155,7 +1162,7 @@
           <a:p>
             <a:fld id="{30A95110-85B8-4301-B13B-F280A06B402E}" type="datetimeFigureOut">
               <a:rPr lang="ru-RU" smtClean="0"/>
-              <a:t>13.08.2021</a:t>
+              <a:t>20.08.2021</a:t>
             </a:fld>
             <a:endParaRPr lang="ru-RU"/>
           </a:p>
@@ -1420,7 +1427,7 @@
           <a:p>
             <a:fld id="{30A95110-85B8-4301-B13B-F280A06B402E}" type="datetimeFigureOut">
               <a:rPr lang="ru-RU" smtClean="0"/>
-              <a:t>13.08.2021</a:t>
+              <a:t>20.08.2021</a:t>
             </a:fld>
             <a:endParaRPr lang="ru-RU"/>
           </a:p>
@@ -1832,7 +1839,7 @@
           <a:p>
             <a:fld id="{30A95110-85B8-4301-B13B-F280A06B402E}" type="datetimeFigureOut">
               <a:rPr lang="ru-RU" smtClean="0"/>
-              <a:t>13.08.2021</a:t>
+              <a:t>20.08.2021</a:t>
             </a:fld>
             <a:endParaRPr lang="ru-RU"/>
           </a:p>
@@ -1973,7 +1980,7 @@
           <a:p>
             <a:fld id="{30A95110-85B8-4301-B13B-F280A06B402E}" type="datetimeFigureOut">
               <a:rPr lang="ru-RU" smtClean="0"/>
-              <a:t>13.08.2021</a:t>
+              <a:t>20.08.2021</a:t>
             </a:fld>
             <a:endParaRPr lang="ru-RU"/>
           </a:p>
@@ -2086,7 +2093,7 @@
           <a:p>
             <a:fld id="{30A95110-85B8-4301-B13B-F280A06B402E}" type="datetimeFigureOut">
               <a:rPr lang="ru-RU" smtClean="0"/>
-              <a:t>13.08.2021</a:t>
+              <a:t>20.08.2021</a:t>
             </a:fld>
             <a:endParaRPr lang="ru-RU"/>
           </a:p>
@@ -2397,7 +2404,7 @@
           <a:p>
             <a:fld id="{30A95110-85B8-4301-B13B-F280A06B402E}" type="datetimeFigureOut">
               <a:rPr lang="ru-RU" smtClean="0"/>
-              <a:t>13.08.2021</a:t>
+              <a:t>20.08.2021</a:t>
             </a:fld>
             <a:endParaRPr lang="ru-RU"/>
           </a:p>
@@ -2685,7 +2692,7 @@
           <a:p>
             <a:fld id="{30A95110-85B8-4301-B13B-F280A06B402E}" type="datetimeFigureOut">
               <a:rPr lang="ru-RU" smtClean="0"/>
-              <a:t>13.08.2021</a:t>
+              <a:t>20.08.2021</a:t>
             </a:fld>
             <a:endParaRPr lang="ru-RU"/>
           </a:p>
@@ -2926,7 +2933,7 @@
           <a:p>
             <a:fld id="{30A95110-85B8-4301-B13B-F280A06B402E}" type="datetimeFigureOut">
               <a:rPr lang="ru-RU" smtClean="0"/>
-              <a:t>13.08.2021</a:t>
+              <a:t>20.08.2021</a:t>
             </a:fld>
             <a:endParaRPr lang="ru-RU"/>
           </a:p>
@@ -3420,6 +3427,493 @@
 </p:sld>
 </file>
 
+<file path=ppt/slides/slide10.xml><?xml version="1.0" encoding="utf-8"?>
+<p:sld xmlns:a="http://schemas.openxmlformats.org/drawingml/2006/main" xmlns:r="http://schemas.openxmlformats.org/officeDocument/2006/relationships" xmlns:p="http://schemas.openxmlformats.org/presentationml/2006/main">
+  <p:cSld>
+    <p:spTree>
+      <p:nvGrpSpPr>
+        <p:cNvPr id="1" name=""/>
+        <p:cNvGrpSpPr/>
+        <p:nvPr/>
+      </p:nvGrpSpPr>
+      <p:grpSpPr>
+        <a:xfrm>
+          <a:off x="0" y="0"/>
+          <a:ext cx="0" cy="0"/>
+          <a:chOff x="0" y="0"/>
+          <a:chExt cx="0" cy="0"/>
+        </a:xfrm>
+      </p:grpSpPr>
+      <p:sp>
+        <p:nvSpPr>
+          <p:cNvPr id="2" name="Заголовок 1">
+            <a:extLst>
+              <a:ext uri="{FF2B5EF4-FFF2-40B4-BE49-F238E27FC236}">
+                <a16:creationId xmlns:a16="http://schemas.microsoft.com/office/drawing/2014/main" id="{6687CD1C-4B0E-4DA6-955F-1286958197BA}"/>
+              </a:ext>
+            </a:extLst>
+          </p:cNvPr>
+          <p:cNvSpPr>
+            <a:spLocks noGrp="1"/>
+          </p:cNvSpPr>
+          <p:nvPr>
+            <p:ph type="title"/>
+          </p:nvPr>
+        </p:nvSpPr>
+        <p:spPr/>
+        <p:txBody>
+          <a:bodyPr/>
+          <a:lstStyle/>
+          <a:p>
+            <a:r>
+              <a:rPr lang="ru-RU" dirty="0"/>
+              <a:t>Ответ</a:t>
+            </a:r>
+          </a:p>
+        </p:txBody>
+      </p:sp>
+      <p:pic>
+        <p:nvPicPr>
+          <p:cNvPr id="5" name="Рисунок 4">
+            <a:extLst>
+              <a:ext uri="{FF2B5EF4-FFF2-40B4-BE49-F238E27FC236}">
+                <a16:creationId xmlns:a16="http://schemas.microsoft.com/office/drawing/2014/main" id="{73FCCA28-336B-4591-820C-EEBDC18AB323}"/>
+              </a:ext>
+            </a:extLst>
+          </p:cNvPr>
+          <p:cNvPicPr>
+            <a:picLocks noChangeAspect="1"/>
+          </p:cNvPicPr>
+          <p:nvPr/>
+        </p:nvPicPr>
+        <p:blipFill>
+          <a:blip r:embed="rId2"/>
+          <a:stretch>
+            <a:fillRect/>
+          </a:stretch>
+        </p:blipFill>
+        <p:spPr>
+          <a:xfrm>
+            <a:off x="2391454" y="2362692"/>
+            <a:ext cx="5915851" cy="2333951"/>
+          </a:xfrm>
+          <a:prstGeom prst="rect">
+            <a:avLst/>
+          </a:prstGeom>
+        </p:spPr>
+      </p:pic>
+      <p:pic>
+        <p:nvPicPr>
+          <p:cNvPr id="4" name="Рисунок 3">
+            <a:extLst>
+              <a:ext uri="{FF2B5EF4-FFF2-40B4-BE49-F238E27FC236}">
+                <a16:creationId xmlns:a16="http://schemas.microsoft.com/office/drawing/2014/main" id="{D0F6030E-048E-46F4-A552-E8A5A18684F5}"/>
+              </a:ext>
+            </a:extLst>
+          </p:cNvPr>
+          <p:cNvPicPr>
+            <a:picLocks noChangeAspect="1"/>
+          </p:cNvPicPr>
+          <p:nvPr/>
+        </p:nvPicPr>
+        <p:blipFill>
+          <a:blip r:embed="rId3"/>
+          <a:stretch>
+            <a:fillRect/>
+          </a:stretch>
+        </p:blipFill>
+        <p:spPr>
+          <a:xfrm>
+            <a:off x="2397047" y="3033298"/>
+            <a:ext cx="333422" cy="304843"/>
+          </a:xfrm>
+          <a:prstGeom prst="rect">
+            <a:avLst/>
+          </a:prstGeom>
+        </p:spPr>
+      </p:pic>
+      <p:pic>
+        <p:nvPicPr>
+          <p:cNvPr id="7" name="Рисунок 6">
+            <a:extLst>
+              <a:ext uri="{FF2B5EF4-FFF2-40B4-BE49-F238E27FC236}">
+                <a16:creationId xmlns:a16="http://schemas.microsoft.com/office/drawing/2014/main" id="{42ADF2C1-C4A5-4D18-ADCC-9878DED644EC}"/>
+              </a:ext>
+            </a:extLst>
+          </p:cNvPr>
+          <p:cNvPicPr>
+            <a:picLocks noChangeAspect="1"/>
+          </p:cNvPicPr>
+          <p:nvPr/>
+        </p:nvPicPr>
+        <p:blipFill>
+          <a:blip r:embed="rId3"/>
+          <a:stretch>
+            <a:fillRect/>
+          </a:stretch>
+        </p:blipFill>
+        <p:spPr>
+          <a:xfrm>
+            <a:off x="2397047" y="3939309"/>
+            <a:ext cx="333422" cy="304843"/>
+          </a:xfrm>
+          <a:prstGeom prst="rect">
+            <a:avLst/>
+          </a:prstGeom>
+        </p:spPr>
+      </p:pic>
+      <p:pic>
+        <p:nvPicPr>
+          <p:cNvPr id="9" name="Рисунок 8">
+            <a:extLst>
+              <a:ext uri="{FF2B5EF4-FFF2-40B4-BE49-F238E27FC236}">
+                <a16:creationId xmlns:a16="http://schemas.microsoft.com/office/drawing/2014/main" id="{8627E62C-8A84-47B6-92A4-02D531307E04}"/>
+              </a:ext>
+            </a:extLst>
+          </p:cNvPr>
+          <p:cNvPicPr>
+            <a:picLocks noChangeAspect="1"/>
+          </p:cNvPicPr>
+          <p:nvPr/>
+        </p:nvPicPr>
+        <p:blipFill>
+          <a:blip r:embed="rId3"/>
+          <a:stretch>
+            <a:fillRect/>
+          </a:stretch>
+        </p:blipFill>
+        <p:spPr>
+          <a:xfrm>
+            <a:off x="2405436" y="4406481"/>
+            <a:ext cx="333422" cy="304843"/>
+          </a:xfrm>
+          <a:prstGeom prst="rect">
+            <a:avLst/>
+          </a:prstGeom>
+        </p:spPr>
+      </p:pic>
+    </p:spTree>
+    <p:extLst>
+      <p:ext uri="{BB962C8B-B14F-4D97-AF65-F5344CB8AC3E}">
+        <p14:creationId xmlns:p14="http://schemas.microsoft.com/office/powerpoint/2010/main" val="3471311748"/>
+      </p:ext>
+    </p:extLst>
+  </p:cSld>
+  <p:clrMapOvr>
+    <a:masterClrMapping/>
+  </p:clrMapOvr>
+</p:sld>
+</file>
+
+<file path=ppt/slides/slide11.xml><?xml version="1.0" encoding="utf-8"?>
+<p:sld xmlns:a="http://schemas.openxmlformats.org/drawingml/2006/main" xmlns:r="http://schemas.openxmlformats.org/officeDocument/2006/relationships" xmlns:p="http://schemas.openxmlformats.org/presentationml/2006/main">
+  <p:cSld>
+    <p:spTree>
+      <p:nvGrpSpPr>
+        <p:cNvPr id="1" name=""/>
+        <p:cNvGrpSpPr/>
+        <p:nvPr/>
+      </p:nvGrpSpPr>
+      <p:grpSpPr>
+        <a:xfrm>
+          <a:off x="0" y="0"/>
+          <a:ext cx="0" cy="0"/>
+          <a:chOff x="0" y="0"/>
+          <a:chExt cx="0" cy="0"/>
+        </a:xfrm>
+      </p:grpSpPr>
+      <p:sp>
+        <p:nvSpPr>
+          <p:cNvPr id="2" name="Заголовок 1">
+            <a:extLst>
+              <a:ext uri="{FF2B5EF4-FFF2-40B4-BE49-F238E27FC236}">
+                <a16:creationId xmlns:a16="http://schemas.microsoft.com/office/drawing/2014/main" id="{6687CD1C-4B0E-4DA6-955F-1286958197BA}"/>
+              </a:ext>
+            </a:extLst>
+          </p:cNvPr>
+          <p:cNvSpPr>
+            <a:spLocks noGrp="1"/>
+          </p:cNvSpPr>
+          <p:nvPr>
+            <p:ph type="title"/>
+          </p:nvPr>
+        </p:nvSpPr>
+        <p:spPr/>
+        <p:txBody>
+          <a:bodyPr/>
+          <a:lstStyle/>
+          <a:p>
+            <a:r>
+              <a:rPr lang="ru-RU" dirty="0"/>
+              <a:t>Вопрос</a:t>
+            </a:r>
+          </a:p>
+        </p:txBody>
+      </p:sp>
+      <p:pic>
+        <p:nvPicPr>
+          <p:cNvPr id="6" name="Рисунок 5">
+            <a:extLst>
+              <a:ext uri="{FF2B5EF4-FFF2-40B4-BE49-F238E27FC236}">
+                <a16:creationId xmlns:a16="http://schemas.microsoft.com/office/drawing/2014/main" id="{A5FBD972-3651-4497-B0E4-A27DE6FB44F0}"/>
+              </a:ext>
+            </a:extLst>
+          </p:cNvPr>
+          <p:cNvPicPr>
+            <a:picLocks noChangeAspect="1"/>
+          </p:cNvPicPr>
+          <p:nvPr/>
+        </p:nvPicPr>
+        <p:blipFill>
+          <a:blip r:embed="rId2"/>
+          <a:stretch>
+            <a:fillRect/>
+          </a:stretch>
+        </p:blipFill>
+        <p:spPr>
+          <a:xfrm>
+            <a:off x="2980890" y="2423972"/>
+            <a:ext cx="6230219" cy="2010056"/>
+          </a:xfrm>
+          <a:prstGeom prst="rect">
+            <a:avLst/>
+          </a:prstGeom>
+        </p:spPr>
+      </p:pic>
+    </p:spTree>
+    <p:extLst>
+      <p:ext uri="{BB962C8B-B14F-4D97-AF65-F5344CB8AC3E}">
+        <p14:creationId xmlns:p14="http://schemas.microsoft.com/office/powerpoint/2010/main" val="2028495324"/>
+      </p:ext>
+    </p:extLst>
+  </p:cSld>
+  <p:clrMapOvr>
+    <a:masterClrMapping/>
+  </p:clrMapOvr>
+</p:sld>
+</file>
+
+<file path=ppt/slides/slide12.xml><?xml version="1.0" encoding="utf-8"?>
+<p:sld xmlns:a="http://schemas.openxmlformats.org/drawingml/2006/main" xmlns:r="http://schemas.openxmlformats.org/officeDocument/2006/relationships" xmlns:p="http://schemas.openxmlformats.org/presentationml/2006/main">
+  <p:cSld>
+    <p:spTree>
+      <p:nvGrpSpPr>
+        <p:cNvPr id="1" name=""/>
+        <p:cNvGrpSpPr/>
+        <p:nvPr/>
+      </p:nvGrpSpPr>
+      <p:grpSpPr>
+        <a:xfrm>
+          <a:off x="0" y="0"/>
+          <a:ext cx="0" cy="0"/>
+          <a:chOff x="0" y="0"/>
+          <a:chExt cx="0" cy="0"/>
+        </a:xfrm>
+      </p:grpSpPr>
+      <p:sp>
+        <p:nvSpPr>
+          <p:cNvPr id="2" name="Заголовок 1">
+            <a:extLst>
+              <a:ext uri="{FF2B5EF4-FFF2-40B4-BE49-F238E27FC236}">
+                <a16:creationId xmlns:a16="http://schemas.microsoft.com/office/drawing/2014/main" id="{6687CD1C-4B0E-4DA6-955F-1286958197BA}"/>
+              </a:ext>
+            </a:extLst>
+          </p:cNvPr>
+          <p:cNvSpPr>
+            <a:spLocks noGrp="1"/>
+          </p:cNvSpPr>
+          <p:nvPr>
+            <p:ph type="title"/>
+          </p:nvPr>
+        </p:nvSpPr>
+        <p:spPr/>
+        <p:txBody>
+          <a:bodyPr/>
+          <a:lstStyle/>
+          <a:p>
+            <a:r>
+              <a:rPr lang="ru-RU" dirty="0"/>
+              <a:t>Ответ</a:t>
+            </a:r>
+          </a:p>
+        </p:txBody>
+      </p:sp>
+      <p:pic>
+        <p:nvPicPr>
+          <p:cNvPr id="4" name="Рисунок 3">
+            <a:extLst>
+              <a:ext uri="{FF2B5EF4-FFF2-40B4-BE49-F238E27FC236}">
+                <a16:creationId xmlns:a16="http://schemas.microsoft.com/office/drawing/2014/main" id="{A8F94E12-094D-4279-8AC0-BF25A28F5007}"/>
+              </a:ext>
+            </a:extLst>
+          </p:cNvPr>
+          <p:cNvPicPr>
+            <a:picLocks noChangeAspect="1"/>
+          </p:cNvPicPr>
+          <p:nvPr/>
+        </p:nvPicPr>
+        <p:blipFill>
+          <a:blip r:embed="rId2"/>
+          <a:stretch>
+            <a:fillRect/>
+          </a:stretch>
+        </p:blipFill>
+        <p:spPr>
+          <a:xfrm>
+            <a:off x="3500075" y="2504946"/>
+            <a:ext cx="5191850" cy="1848108"/>
+          </a:xfrm>
+          <a:prstGeom prst="rect">
+            <a:avLst/>
+          </a:prstGeom>
+        </p:spPr>
+      </p:pic>
+    </p:spTree>
+    <p:extLst>
+      <p:ext uri="{BB962C8B-B14F-4D97-AF65-F5344CB8AC3E}">
+        <p14:creationId xmlns:p14="http://schemas.microsoft.com/office/powerpoint/2010/main" val="1449825787"/>
+      </p:ext>
+    </p:extLst>
+  </p:cSld>
+  <p:clrMapOvr>
+    <a:masterClrMapping/>
+  </p:clrMapOvr>
+</p:sld>
+</file>
+
+<file path=ppt/slides/slide13.xml><?xml version="1.0" encoding="utf-8"?>
+<p:sld xmlns:a="http://schemas.openxmlformats.org/drawingml/2006/main" xmlns:r="http://schemas.openxmlformats.org/officeDocument/2006/relationships" xmlns:p="http://schemas.openxmlformats.org/presentationml/2006/main">
+  <p:cSld>
+    <p:spTree>
+      <p:nvGrpSpPr>
+        <p:cNvPr id="1" name=""/>
+        <p:cNvGrpSpPr/>
+        <p:nvPr/>
+      </p:nvGrpSpPr>
+      <p:grpSpPr>
+        <a:xfrm>
+          <a:off x="0" y="0"/>
+          <a:ext cx="0" cy="0"/>
+          <a:chOff x="0" y="0"/>
+          <a:chExt cx="0" cy="0"/>
+        </a:xfrm>
+      </p:grpSpPr>
+      <p:sp>
+        <p:nvSpPr>
+          <p:cNvPr id="2" name="Заголовок 1">
+            <a:extLst>
+              <a:ext uri="{FF2B5EF4-FFF2-40B4-BE49-F238E27FC236}">
+                <a16:creationId xmlns:a16="http://schemas.microsoft.com/office/drawing/2014/main" id="{6687CD1C-4B0E-4DA6-955F-1286958197BA}"/>
+              </a:ext>
+            </a:extLst>
+          </p:cNvPr>
+          <p:cNvSpPr>
+            <a:spLocks noGrp="1"/>
+          </p:cNvSpPr>
+          <p:nvPr>
+            <p:ph type="title"/>
+          </p:nvPr>
+        </p:nvSpPr>
+        <p:spPr/>
+        <p:txBody>
+          <a:bodyPr/>
+          <a:lstStyle/>
+          <a:p>
+            <a:r>
+              <a:rPr lang="ru-RU" dirty="0"/>
+              <a:t>Обсуждение</a:t>
+            </a:r>
+          </a:p>
+        </p:txBody>
+      </p:sp>
+      <p:sp>
+        <p:nvSpPr>
+          <p:cNvPr id="5" name="TextBox 4">
+            <a:extLst>
+              <a:ext uri="{FF2B5EF4-FFF2-40B4-BE49-F238E27FC236}">
+                <a16:creationId xmlns:a16="http://schemas.microsoft.com/office/drawing/2014/main" id="{BAC0D7BD-42D1-4043-8DDC-FA2BF947C55D}"/>
+              </a:ext>
+            </a:extLst>
+          </p:cNvPr>
+          <p:cNvSpPr txBox="1"/>
+          <p:nvPr/>
+        </p:nvSpPr>
+        <p:spPr>
+          <a:xfrm>
+            <a:off x="3047301" y="2553934"/>
+            <a:ext cx="6094602" cy="2031325"/>
+          </a:xfrm>
+          <a:prstGeom prst="rect">
+            <a:avLst/>
+          </a:prstGeom>
+          <a:noFill/>
+        </p:spPr>
+        <p:txBody>
+          <a:bodyPr wrap="square">
+            <a:spAutoFit/>
+          </a:bodyPr>
+          <a:lstStyle/>
+          <a:p>
+            <a:pPr algn="ctr"/>
+            <a:r>
+              <a:rPr lang="ru-RU" b="1" i="0" dirty="0">
+                <a:solidFill>
+                  <a:srgbClr val="1F1F1F"/>
+                </a:solidFill>
+                <a:effectLst/>
+                <a:latin typeface="OpenSans-Light"/>
+              </a:rPr>
+              <a:t>Диссоциативные мозговые сети</a:t>
+            </a:r>
+          </a:p>
+          <a:p>
+            <a:pPr algn="l"/>
+            <a:endParaRPr lang="ru-RU" b="0" i="0">
+              <a:solidFill>
+                <a:srgbClr val="1F1F1F"/>
+              </a:solidFill>
+              <a:effectLst/>
+              <a:latin typeface="OpenSans"/>
+            </a:endParaRPr>
+          </a:p>
+          <a:p>
+            <a:pPr algn="l"/>
+            <a:r>
+              <a:rPr lang="ru-RU" b="0" i="0">
+                <a:solidFill>
+                  <a:srgbClr val="1F1F1F"/>
+                </a:solidFill>
+                <a:effectLst/>
+                <a:latin typeface="OpenSans"/>
+              </a:rPr>
+              <a:t>Могут </a:t>
+            </a:r>
+            <a:r>
+              <a:rPr lang="ru-RU" b="0" i="0" dirty="0">
+                <a:solidFill>
+                  <a:srgbClr val="1F1F1F"/>
+                </a:solidFill>
+                <a:effectLst/>
+                <a:latin typeface="OpenSans"/>
+              </a:rPr>
+              <a:t>ли диссоциируемые сети мозга определяться только группой структур, между которыми есть структурные связи, или они также могут определяться вкладом в общую функцию или поведение в отсутствие прямой структурной связи?</a:t>
+            </a:r>
+          </a:p>
+        </p:txBody>
+      </p:sp>
+    </p:spTree>
+    <p:extLst>
+      <p:ext uri="{BB962C8B-B14F-4D97-AF65-F5344CB8AC3E}">
+        <p14:creationId xmlns:p14="http://schemas.microsoft.com/office/powerpoint/2010/main" val="2304523930"/>
+      </p:ext>
+    </p:extLst>
+  </p:cSld>
+  <p:clrMapOvr>
+    <a:masterClrMapping/>
+  </p:clrMapOvr>
+</p:sld>
+</file>
+
 <file path=ppt/slides/slide2.xml><?xml version="1.0" encoding="utf-8"?>
 <p:sld xmlns:a="http://schemas.openxmlformats.org/drawingml/2006/main" xmlns:r="http://schemas.openxmlformats.org/officeDocument/2006/relationships" xmlns:p="http://schemas.openxmlformats.org/presentationml/2006/main">
   <p:cSld>
@@ -4503,6 +4997,270 @@
     <p:extLst>
       <p:ext uri="{BB962C8B-B14F-4D97-AF65-F5344CB8AC3E}">
         <p14:creationId xmlns:p14="http://schemas.microsoft.com/office/powerpoint/2010/main" val="2090228053"/>
+      </p:ext>
+    </p:extLst>
+  </p:cSld>
+  <p:clrMapOvr>
+    <a:masterClrMapping/>
+  </p:clrMapOvr>
+</p:sld>
+</file>
+
+<file path=ppt/slides/slide7.xml><?xml version="1.0" encoding="utf-8"?>
+<p:sld xmlns:a="http://schemas.openxmlformats.org/drawingml/2006/main" xmlns:r="http://schemas.openxmlformats.org/officeDocument/2006/relationships" xmlns:p="http://schemas.openxmlformats.org/presentationml/2006/main">
+  <p:cSld>
+    <p:spTree>
+      <p:nvGrpSpPr>
+        <p:cNvPr id="1" name=""/>
+        <p:cNvGrpSpPr/>
+        <p:nvPr/>
+      </p:nvGrpSpPr>
+      <p:grpSpPr>
+        <a:xfrm>
+          <a:off x="0" y="0"/>
+          <a:ext cx="0" cy="0"/>
+          <a:chOff x="0" y="0"/>
+          <a:chExt cx="0" cy="0"/>
+        </a:xfrm>
+      </p:grpSpPr>
+      <p:sp>
+        <p:nvSpPr>
+          <p:cNvPr id="2" name="Заголовок 1">
+            <a:extLst>
+              <a:ext uri="{FF2B5EF4-FFF2-40B4-BE49-F238E27FC236}">
+                <a16:creationId xmlns:a16="http://schemas.microsoft.com/office/drawing/2014/main" id="{CD27E7E3-EE6D-40FA-90D7-750E505FFA35}"/>
+              </a:ext>
+            </a:extLst>
+          </p:cNvPr>
+          <p:cNvSpPr>
+            <a:spLocks noGrp="1"/>
+          </p:cNvSpPr>
+          <p:nvPr>
+            <p:ph type="title"/>
+          </p:nvPr>
+        </p:nvSpPr>
+        <p:spPr/>
+        <p:txBody>
+          <a:bodyPr/>
+          <a:lstStyle/>
+          <a:p>
+            <a:r>
+              <a:rPr lang="ru-RU" dirty="0"/>
+              <a:t>Вопрос</a:t>
+            </a:r>
+          </a:p>
+        </p:txBody>
+      </p:sp>
+      <p:pic>
+        <p:nvPicPr>
+          <p:cNvPr id="5" name="Рисунок 4">
+            <a:extLst>
+              <a:ext uri="{FF2B5EF4-FFF2-40B4-BE49-F238E27FC236}">
+                <a16:creationId xmlns:a16="http://schemas.microsoft.com/office/drawing/2014/main" id="{5C059917-A21E-4510-A933-686078B8A04A}"/>
+              </a:ext>
+            </a:extLst>
+          </p:cNvPr>
+          <p:cNvPicPr>
+            <a:picLocks noChangeAspect="1"/>
+          </p:cNvPicPr>
+          <p:nvPr/>
+        </p:nvPicPr>
+        <p:blipFill>
+          <a:blip r:embed="rId2"/>
+          <a:stretch>
+            <a:fillRect/>
+          </a:stretch>
+        </p:blipFill>
+        <p:spPr>
+          <a:xfrm>
+            <a:off x="3061864" y="2319182"/>
+            <a:ext cx="6068272" cy="2219635"/>
+          </a:xfrm>
+          <a:prstGeom prst="rect">
+            <a:avLst/>
+          </a:prstGeom>
+        </p:spPr>
+      </p:pic>
+    </p:spTree>
+    <p:extLst>
+      <p:ext uri="{BB962C8B-B14F-4D97-AF65-F5344CB8AC3E}">
+        <p14:creationId xmlns:p14="http://schemas.microsoft.com/office/powerpoint/2010/main" val="2465582193"/>
+      </p:ext>
+    </p:extLst>
+  </p:cSld>
+  <p:clrMapOvr>
+    <a:masterClrMapping/>
+  </p:clrMapOvr>
+</p:sld>
+</file>
+
+<file path=ppt/slides/slide8.xml><?xml version="1.0" encoding="utf-8"?>
+<p:sld xmlns:a="http://schemas.openxmlformats.org/drawingml/2006/main" xmlns:r="http://schemas.openxmlformats.org/officeDocument/2006/relationships" xmlns:p="http://schemas.openxmlformats.org/presentationml/2006/main">
+  <p:cSld>
+    <p:spTree>
+      <p:nvGrpSpPr>
+        <p:cNvPr id="1" name=""/>
+        <p:cNvGrpSpPr/>
+        <p:nvPr/>
+      </p:nvGrpSpPr>
+      <p:grpSpPr>
+        <a:xfrm>
+          <a:off x="0" y="0"/>
+          <a:ext cx="0" cy="0"/>
+          <a:chOff x="0" y="0"/>
+          <a:chExt cx="0" cy="0"/>
+        </a:xfrm>
+      </p:grpSpPr>
+      <p:sp>
+        <p:nvSpPr>
+          <p:cNvPr id="2" name="Заголовок 1">
+            <a:extLst>
+              <a:ext uri="{FF2B5EF4-FFF2-40B4-BE49-F238E27FC236}">
+                <a16:creationId xmlns:a16="http://schemas.microsoft.com/office/drawing/2014/main" id="{CD27E7E3-EE6D-40FA-90D7-750E505FFA35}"/>
+              </a:ext>
+            </a:extLst>
+          </p:cNvPr>
+          <p:cNvSpPr>
+            <a:spLocks noGrp="1"/>
+          </p:cNvSpPr>
+          <p:nvPr>
+            <p:ph type="title"/>
+          </p:nvPr>
+        </p:nvSpPr>
+        <p:spPr/>
+        <p:txBody>
+          <a:bodyPr/>
+          <a:lstStyle/>
+          <a:p>
+            <a:r>
+              <a:rPr lang="ru-RU" dirty="0"/>
+              <a:t>Ответ</a:t>
+            </a:r>
+          </a:p>
+        </p:txBody>
+      </p:sp>
+      <p:pic>
+        <p:nvPicPr>
+          <p:cNvPr id="4" name="Рисунок 3">
+            <a:extLst>
+              <a:ext uri="{FF2B5EF4-FFF2-40B4-BE49-F238E27FC236}">
+                <a16:creationId xmlns:a16="http://schemas.microsoft.com/office/drawing/2014/main" id="{5F9C89A9-1959-4AFB-A21B-DC92DEA9937D}"/>
+              </a:ext>
+            </a:extLst>
+          </p:cNvPr>
+          <p:cNvPicPr>
+            <a:picLocks noChangeAspect="1"/>
+          </p:cNvPicPr>
+          <p:nvPr/>
+        </p:nvPicPr>
+        <p:blipFill>
+          <a:blip r:embed="rId2"/>
+          <a:stretch>
+            <a:fillRect/>
+          </a:stretch>
+        </p:blipFill>
+        <p:spPr>
+          <a:xfrm>
+            <a:off x="3014232" y="2466840"/>
+            <a:ext cx="6163535" cy="1924319"/>
+          </a:xfrm>
+          <a:prstGeom prst="rect">
+            <a:avLst/>
+          </a:prstGeom>
+        </p:spPr>
+      </p:pic>
+    </p:spTree>
+    <p:extLst>
+      <p:ext uri="{BB962C8B-B14F-4D97-AF65-F5344CB8AC3E}">
+        <p14:creationId xmlns:p14="http://schemas.microsoft.com/office/powerpoint/2010/main" val="4274194417"/>
+      </p:ext>
+    </p:extLst>
+  </p:cSld>
+  <p:clrMapOvr>
+    <a:masterClrMapping/>
+  </p:clrMapOvr>
+</p:sld>
+</file>
+
+<file path=ppt/slides/slide9.xml><?xml version="1.0" encoding="utf-8"?>
+<p:sld xmlns:a="http://schemas.openxmlformats.org/drawingml/2006/main" xmlns:r="http://schemas.openxmlformats.org/officeDocument/2006/relationships" xmlns:p="http://schemas.openxmlformats.org/presentationml/2006/main">
+  <p:cSld>
+    <p:spTree>
+      <p:nvGrpSpPr>
+        <p:cNvPr id="1" name=""/>
+        <p:cNvGrpSpPr/>
+        <p:nvPr/>
+      </p:nvGrpSpPr>
+      <p:grpSpPr>
+        <a:xfrm>
+          <a:off x="0" y="0"/>
+          <a:ext cx="0" cy="0"/>
+          <a:chOff x="0" y="0"/>
+          <a:chExt cx="0" cy="0"/>
+        </a:xfrm>
+      </p:grpSpPr>
+      <p:sp>
+        <p:nvSpPr>
+          <p:cNvPr id="2" name="Заголовок 1">
+            <a:extLst>
+              <a:ext uri="{FF2B5EF4-FFF2-40B4-BE49-F238E27FC236}">
+                <a16:creationId xmlns:a16="http://schemas.microsoft.com/office/drawing/2014/main" id="{6687CD1C-4B0E-4DA6-955F-1286958197BA}"/>
+              </a:ext>
+            </a:extLst>
+          </p:cNvPr>
+          <p:cNvSpPr>
+            <a:spLocks noGrp="1"/>
+          </p:cNvSpPr>
+          <p:nvPr>
+            <p:ph type="title"/>
+          </p:nvPr>
+        </p:nvSpPr>
+        <p:spPr/>
+        <p:txBody>
+          <a:bodyPr/>
+          <a:lstStyle/>
+          <a:p>
+            <a:r>
+              <a:rPr lang="ru-RU" dirty="0"/>
+              <a:t>Вопрос</a:t>
+            </a:r>
+          </a:p>
+        </p:txBody>
+      </p:sp>
+      <p:pic>
+        <p:nvPicPr>
+          <p:cNvPr id="5" name="Рисунок 4">
+            <a:extLst>
+              <a:ext uri="{FF2B5EF4-FFF2-40B4-BE49-F238E27FC236}">
+                <a16:creationId xmlns:a16="http://schemas.microsoft.com/office/drawing/2014/main" id="{73FCCA28-336B-4591-820C-EEBDC18AB323}"/>
+              </a:ext>
+            </a:extLst>
+          </p:cNvPr>
+          <p:cNvPicPr>
+            <a:picLocks noChangeAspect="1"/>
+          </p:cNvPicPr>
+          <p:nvPr/>
+        </p:nvPicPr>
+        <p:blipFill>
+          <a:blip r:embed="rId2"/>
+          <a:stretch>
+            <a:fillRect/>
+          </a:stretch>
+        </p:blipFill>
+        <p:spPr>
+          <a:xfrm>
+            <a:off x="2391454" y="2362692"/>
+            <a:ext cx="5915851" cy="2333951"/>
+          </a:xfrm>
+          <a:prstGeom prst="rect">
+            <a:avLst/>
+          </a:prstGeom>
+        </p:spPr>
+      </p:pic>
+    </p:spTree>
+    <p:extLst>
+      <p:ext uri="{BB962C8B-B14F-4D97-AF65-F5344CB8AC3E}">
+        <p14:creationId xmlns:p14="http://schemas.microsoft.com/office/powerpoint/2010/main" val="281855460"/>
       </p:ext>
     </p:extLst>
   </p:cSld>
